--- a/Image processing visualization system.pptx
+++ b/Image processing visualization system.pptx
@@ -5,7 +5,7 @@
     <p:sldMasterId id="2147483648" r:id="rId1"/>
   </p:sldMasterIdLst>
   <p:notesMasterIdLst>
-    <p:notesMasterId r:id="rId12"/>
+    <p:notesMasterId r:id="rId14"/>
   </p:notesMasterIdLst>
   <p:sldIdLst>
     <p:sldId id="256" r:id="rId2"/>
@@ -18,11 +18,13 @@
     <p:sldId id="299" r:id="rId9"/>
     <p:sldId id="303" r:id="rId10"/>
     <p:sldId id="304" r:id="rId11"/>
+    <p:sldId id="306" r:id="rId12"/>
+    <p:sldId id="307" r:id="rId13"/>
   </p:sldIdLst>
   <p:sldSz cx="12192000" cy="6858000"/>
   <p:notesSz cx="6858000" cy="9144000"/>
   <p:custDataLst>
-    <p:tags r:id="rId13"/>
+    <p:tags r:id="rId15"/>
   </p:custDataLst>
   <p:defaultTextStyle>
     <a:defPPr>
@@ -250,7 +252,7 @@
           <a:p>
             <a:fld id="{567AC0E8-234F-4A57-B233-C1F7C4AE6A42}" type="datetimeFigureOut">
               <a:rPr lang="zh-CN" altLang="en-US" smtClean="0"/>
-              <a:t>2023/3/29</a:t>
+              <a:t>2023/4/12</a:t>
             </a:fld>
             <a:endParaRPr lang="zh-CN" altLang="en-US"/>
           </a:p>
@@ -716,7 +718,7 @@
             </a:pPr>
             <a:fld id="{9CA88350-C780-4FB1-AE97-F510730C86BC}" type="datetimeFigureOut">
               <a:rPr lang="zh-CN" altLang="en-US"/>
-              <a:t>2023/3/29</a:t>
+              <a:t>2023/4/12</a:t>
             </a:fld>
             <a:endParaRPr lang="zh-CN" altLang="en-US"/>
           </a:p>
@@ -958,7 +960,7 @@
             </a:pPr>
             <a:fld id="{C0D36F01-2D12-47B2-A096-CB16133529CD}" type="datetimeFigureOut">
               <a:rPr lang="zh-CN" altLang="en-US"/>
-              <a:t>2023/3/29</a:t>
+              <a:t>2023/4/12</a:t>
             </a:fld>
             <a:endParaRPr lang="zh-CN" altLang="en-US"/>
           </a:p>
@@ -1200,7 +1202,7 @@
             </a:pPr>
             <a:fld id="{161AFB21-DBA3-481D-8F7B-09C9B17B6691}" type="datetimeFigureOut">
               <a:rPr lang="zh-CN" altLang="en-US"/>
-              <a:t>2023/3/29</a:t>
+              <a:t>2023/4/12</a:t>
             </a:fld>
             <a:endParaRPr lang="zh-CN" altLang="en-US"/>
           </a:p>
@@ -1509,7 +1511,7 @@
             </a:pPr>
             <a:fld id="{0CB64265-347A-4A89-84B8-A5D80D7834B9}" type="datetimeFigureOut">
               <a:rPr lang="zh-CN" altLang="en-US"/>
-              <a:t>2023/3/29</a:t>
+              <a:t>2023/4/12</a:t>
             </a:fld>
             <a:endParaRPr lang="zh-CN" altLang="en-US"/>
           </a:p>
@@ -1810,7 +1812,7 @@
             </a:pPr>
             <a:fld id="{72AFB4C0-FA24-4F4D-A17C-63F7D7E08FB5}" type="datetimeFigureOut">
               <a:rPr lang="zh-CN" altLang="en-US"/>
-              <a:t>2023/3/29</a:t>
+              <a:t>2023/4/12</a:t>
             </a:fld>
             <a:endParaRPr lang="zh-CN" altLang="en-US"/>
           </a:p>
@@ -2247,7 +2249,7 @@
             </a:pPr>
             <a:fld id="{BFF735C5-43AD-4464-852C-402DC6313CA8}" type="datetimeFigureOut">
               <a:rPr lang="zh-CN" altLang="en-US"/>
-              <a:t>2023/3/29</a:t>
+              <a:t>2023/4/12</a:t>
             </a:fld>
             <a:endParaRPr lang="zh-CN" altLang="en-US"/>
           </a:p>
@@ -2430,7 +2432,7 @@
             </a:pPr>
             <a:fld id="{4393B5FD-2CFD-4C17-8CA1-8896FC99F542}" type="datetimeFigureOut">
               <a:rPr lang="zh-CN" altLang="en-US"/>
-              <a:t>2023/3/29</a:t>
+              <a:t>2023/4/12</a:t>
             </a:fld>
             <a:endParaRPr lang="zh-CN" altLang="en-US"/>
           </a:p>
@@ -2583,7 +2585,7 @@
             </a:pPr>
             <a:fld id="{AE0B2FB6-452A-4425-8BD9-2ACAB7243718}" type="datetimeFigureOut">
               <a:rPr lang="zh-CN" altLang="en-US"/>
-              <a:t>2023/3/29</a:t>
+              <a:t>2023/4/12</a:t>
             </a:fld>
             <a:endParaRPr lang="zh-CN" altLang="en-US"/>
           </a:p>
@@ -2925,7 +2927,7 @@
             </a:pPr>
             <a:fld id="{B99501A5-C41B-4B5F-819C-1B487BE05E4C}" type="datetimeFigureOut">
               <a:rPr lang="zh-CN" altLang="en-US"/>
-              <a:t>2023/3/29</a:t>
+              <a:t>2023/4/12</a:t>
             </a:fld>
             <a:endParaRPr lang="zh-CN" altLang="en-US"/>
           </a:p>
@@ -3245,7 +3247,7 @@
             </a:pPr>
             <a:fld id="{6D96DB21-153E-4DEE-9473-F53FC02AA951}" type="datetimeFigureOut">
               <a:rPr lang="zh-CN" altLang="en-US"/>
-              <a:t>2023/3/29</a:t>
+              <a:t>2023/4/12</a:t>
             </a:fld>
             <a:endParaRPr lang="zh-CN" altLang="en-US"/>
           </a:p>
@@ -5233,7 +5235,7 @@
                 </a:solidFill>
                 <a:latin typeface="DIN" pitchFamily="50" charset="0"/>
               </a:rPr>
-              <a:t>3 Development schedule</a:t>
+              <a:t>3.1 Development schedule</a:t>
             </a:r>
             <a:endParaRPr lang="zh-CN" altLang="en-US" sz="3200" dirty="0">
               <a:solidFill>
@@ -5245,6 +5247,735 @@
         </p:txBody>
       </p:sp>
     </p:spTree>
+  </p:cSld>
+  <p:clrMapOvr>
+    <a:masterClrMapping/>
+  </p:clrMapOvr>
+</p:sld>
+</file>
+
+<file path=ppt/slides/slide11.xml><?xml version="1.0" encoding="utf-8"?>
+<p:sld xmlns:a="http://schemas.openxmlformats.org/drawingml/2006/main" xmlns:r="http://schemas.openxmlformats.org/officeDocument/2006/relationships" xmlns:p="http://schemas.openxmlformats.org/presentationml/2006/main">
+  <p:cSld>
+    <p:spTree>
+      <p:nvGrpSpPr>
+        <p:cNvPr id="1" name=""/>
+        <p:cNvGrpSpPr/>
+        <p:nvPr/>
+      </p:nvGrpSpPr>
+      <p:grpSpPr>
+        <a:xfrm>
+          <a:off x="0" y="0"/>
+          <a:ext cx="0" cy="0"/>
+          <a:chOff x="0" y="0"/>
+          <a:chExt cx="0" cy="0"/>
+        </a:xfrm>
+      </p:grpSpPr>
+      <p:grpSp>
+        <p:nvGrpSpPr>
+          <p:cNvPr id="39938" name="组合 3"/>
+          <p:cNvGrpSpPr/>
+          <p:nvPr/>
+        </p:nvGrpSpPr>
+        <p:grpSpPr bwMode="auto">
+          <a:xfrm flipH="1">
+            <a:off x="11182350" y="0"/>
+            <a:ext cx="1009650" cy="1009650"/>
+            <a:chOff x="0" y="0"/>
+            <a:chExt cx="3600450" cy="3600450"/>
+          </a:xfrm>
+        </p:grpSpPr>
+        <p:sp>
+          <p:nvSpPr>
+            <p:cNvPr id="8" name="直角三角形 7"/>
+            <p:cNvSpPr/>
+            <p:nvPr/>
+          </p:nvSpPr>
+          <p:spPr>
+            <a:xfrm rot="5400000">
+              <a:off x="0" y="0"/>
+              <a:ext cx="3600450" cy="3600450"/>
+            </a:xfrm>
+            <a:prstGeom prst="rtTriangle">
+              <a:avLst/>
+            </a:prstGeom>
+            <a:solidFill>
+              <a:srgbClr val="D7D8D8"/>
+            </a:solidFill>
+            <a:ln>
+              <a:noFill/>
+            </a:ln>
+          </p:spPr>
+          <p:style>
+            <a:lnRef idx="2">
+              <a:schemeClr val="accent1">
+                <a:shade val="50000"/>
+              </a:schemeClr>
+            </a:lnRef>
+            <a:fillRef idx="1">
+              <a:schemeClr val="accent1"/>
+            </a:fillRef>
+            <a:effectRef idx="0">
+              <a:schemeClr val="accent1"/>
+            </a:effectRef>
+            <a:fontRef idx="minor">
+              <a:schemeClr val="lt1"/>
+            </a:fontRef>
+          </p:style>
+          <p:txBody>
+            <a:bodyPr anchor="ctr"/>
+            <a:lstStyle/>
+            <a:p>
+              <a:pPr algn="ctr" eaLnBrk="1" fontAlgn="auto" hangingPunct="1">
+                <a:spcBef>
+                  <a:spcPts val="0"/>
+                </a:spcBef>
+                <a:spcAft>
+                  <a:spcPts val="0"/>
+                </a:spcAft>
+                <a:defRPr/>
+              </a:pPr>
+              <a:endParaRPr lang="zh-CN" altLang="en-US"/>
+            </a:p>
+          </p:txBody>
+        </p:sp>
+        <p:sp>
+          <p:nvSpPr>
+            <p:cNvPr id="2" name="直角三角形 1"/>
+            <p:cNvSpPr/>
+            <p:nvPr/>
+          </p:nvSpPr>
+          <p:spPr>
+            <a:xfrm rot="5400000">
+              <a:off x="-4" y="0"/>
+              <a:ext cx="2972071" cy="2972068"/>
+            </a:xfrm>
+            <a:prstGeom prst="rtTriangle">
+              <a:avLst/>
+            </a:prstGeom>
+            <a:solidFill>
+              <a:srgbClr val="1570C1"/>
+            </a:solidFill>
+            <a:ln>
+              <a:noFill/>
+            </a:ln>
+          </p:spPr>
+          <p:style>
+            <a:lnRef idx="2">
+              <a:schemeClr val="accent1">
+                <a:shade val="50000"/>
+              </a:schemeClr>
+            </a:lnRef>
+            <a:fillRef idx="1">
+              <a:schemeClr val="accent1"/>
+            </a:fillRef>
+            <a:effectRef idx="0">
+              <a:schemeClr val="accent1"/>
+            </a:effectRef>
+            <a:fontRef idx="minor">
+              <a:schemeClr val="lt1"/>
+            </a:fontRef>
+          </p:style>
+          <p:txBody>
+            <a:bodyPr anchor="ctr"/>
+            <a:lstStyle/>
+            <a:p>
+              <a:pPr algn="ctr" eaLnBrk="1" fontAlgn="auto" hangingPunct="1">
+                <a:spcBef>
+                  <a:spcPts val="0"/>
+                </a:spcBef>
+                <a:spcAft>
+                  <a:spcPts val="0"/>
+                </a:spcAft>
+                <a:defRPr/>
+              </a:pPr>
+              <a:endParaRPr lang="zh-CN" altLang="en-US"/>
+            </a:p>
+          </p:txBody>
+        </p:sp>
+      </p:grpSp>
+      <p:grpSp>
+        <p:nvGrpSpPr>
+          <p:cNvPr id="39939" name="组合 14"/>
+          <p:cNvGrpSpPr/>
+          <p:nvPr/>
+        </p:nvGrpSpPr>
+        <p:grpSpPr bwMode="auto">
+          <a:xfrm flipV="1">
+            <a:off x="0" y="5829300"/>
+            <a:ext cx="1028700" cy="1028700"/>
+            <a:chOff x="0" y="0"/>
+            <a:chExt cx="3600450" cy="3600450"/>
+          </a:xfrm>
+        </p:grpSpPr>
+        <p:sp>
+          <p:nvSpPr>
+            <p:cNvPr id="16" name="直角三角形 15"/>
+            <p:cNvSpPr/>
+            <p:nvPr/>
+          </p:nvSpPr>
+          <p:spPr>
+            <a:xfrm rot="5400000">
+              <a:off x="0" y="0"/>
+              <a:ext cx="3600450" cy="3600450"/>
+            </a:xfrm>
+            <a:prstGeom prst="rtTriangle">
+              <a:avLst/>
+            </a:prstGeom>
+            <a:solidFill>
+              <a:srgbClr val="D7D8D8"/>
+            </a:solidFill>
+            <a:ln>
+              <a:noFill/>
+            </a:ln>
+          </p:spPr>
+          <p:style>
+            <a:lnRef idx="2">
+              <a:schemeClr val="accent1">
+                <a:shade val="50000"/>
+              </a:schemeClr>
+            </a:lnRef>
+            <a:fillRef idx="1">
+              <a:schemeClr val="accent1"/>
+            </a:fillRef>
+            <a:effectRef idx="0">
+              <a:schemeClr val="accent1"/>
+            </a:effectRef>
+            <a:fontRef idx="minor">
+              <a:schemeClr val="lt1"/>
+            </a:fontRef>
+          </p:style>
+          <p:txBody>
+            <a:bodyPr anchor="ctr"/>
+            <a:lstStyle/>
+            <a:p>
+              <a:pPr algn="ctr" eaLnBrk="1" fontAlgn="auto" hangingPunct="1">
+                <a:spcBef>
+                  <a:spcPts val="0"/>
+                </a:spcBef>
+                <a:spcAft>
+                  <a:spcPts val="0"/>
+                </a:spcAft>
+                <a:defRPr/>
+              </a:pPr>
+              <a:endParaRPr lang="zh-CN" altLang="en-US"/>
+            </a:p>
+          </p:txBody>
+        </p:sp>
+        <p:sp>
+          <p:nvSpPr>
+            <p:cNvPr id="17" name="直角三角形 16"/>
+            <p:cNvSpPr/>
+            <p:nvPr/>
+          </p:nvSpPr>
+          <p:spPr>
+            <a:xfrm rot="5400000">
+              <a:off x="4" y="0"/>
+              <a:ext cx="2972592" cy="2972596"/>
+            </a:xfrm>
+            <a:prstGeom prst="rtTriangle">
+              <a:avLst/>
+            </a:prstGeom>
+            <a:solidFill>
+              <a:srgbClr val="1570C1"/>
+            </a:solidFill>
+            <a:ln>
+              <a:noFill/>
+            </a:ln>
+          </p:spPr>
+          <p:style>
+            <a:lnRef idx="2">
+              <a:schemeClr val="accent1">
+                <a:shade val="50000"/>
+              </a:schemeClr>
+            </a:lnRef>
+            <a:fillRef idx="1">
+              <a:schemeClr val="accent1"/>
+            </a:fillRef>
+            <a:effectRef idx="0">
+              <a:schemeClr val="accent1"/>
+            </a:effectRef>
+            <a:fontRef idx="minor">
+              <a:schemeClr val="lt1"/>
+            </a:fontRef>
+          </p:style>
+          <p:txBody>
+            <a:bodyPr anchor="ctr"/>
+            <a:lstStyle/>
+            <a:p>
+              <a:pPr algn="ctr" eaLnBrk="1" fontAlgn="auto" hangingPunct="1">
+                <a:spcBef>
+                  <a:spcPts val="0"/>
+                </a:spcBef>
+                <a:spcAft>
+                  <a:spcPts val="0"/>
+                </a:spcAft>
+                <a:defRPr/>
+              </a:pPr>
+              <a:endParaRPr lang="zh-CN" altLang="en-US"/>
+            </a:p>
+          </p:txBody>
+        </p:sp>
+      </p:grpSp>
+      <p:sp>
+        <p:nvSpPr>
+          <p:cNvPr id="39940" name="文本框 17"/>
+          <p:cNvSpPr txBox="1">
+            <a:spLocks noChangeArrowheads="1"/>
+          </p:cNvSpPr>
+          <p:nvPr/>
+        </p:nvSpPr>
+        <p:spPr bwMode="auto">
+          <a:xfrm>
+            <a:off x="19050" y="122238"/>
+            <a:ext cx="5410200" cy="584775"/>
+          </a:xfrm>
+          <a:prstGeom prst="rect">
+            <a:avLst/>
+          </a:prstGeom>
+          <a:noFill/>
+          <a:ln w="9525">
+            <a:noFill/>
+            <a:miter lim="800000"/>
+          </a:ln>
+        </p:spPr>
+        <p:txBody>
+          <a:bodyPr>
+            <a:spAutoFit/>
+          </a:bodyPr>
+          <a:lstStyle/>
+          <a:p>
+            <a:pPr algn="l" eaLnBrk="1" hangingPunct="1"/>
+            <a:r>
+              <a:rPr lang="en-US" altLang="zh-CN" sz="3200" dirty="0">
+                <a:solidFill>
+                  <a:srgbClr val="1570C1"/>
+                </a:solidFill>
+                <a:latin typeface="DIN" pitchFamily="50" charset="0"/>
+              </a:rPr>
+              <a:t>3.2 Development timeline</a:t>
+            </a:r>
+          </a:p>
+        </p:txBody>
+      </p:sp>
+      <p:pic>
+        <p:nvPicPr>
+          <p:cNvPr id="6" name="图片 5">
+            <a:extLst>
+              <a:ext uri="{FF2B5EF4-FFF2-40B4-BE49-F238E27FC236}">
+                <a16:creationId xmlns:a16="http://schemas.microsoft.com/office/drawing/2014/main" id="{95D4B9CB-A2FF-87B3-2E2A-96FB2B325740}"/>
+              </a:ext>
+            </a:extLst>
+          </p:cNvPr>
+          <p:cNvPicPr>
+            <a:picLocks noChangeAspect="1"/>
+          </p:cNvPicPr>
+          <p:nvPr/>
+        </p:nvPicPr>
+        <p:blipFill rotWithShape="1">
+          <a:blip r:embed="rId2"/>
+          <a:srcRect t="6741"/>
+          <a:stretch/>
+        </p:blipFill>
+        <p:spPr>
+          <a:xfrm>
+            <a:off x="1204913" y="705803"/>
+            <a:ext cx="9526444" cy="5984400"/>
+          </a:xfrm>
+          <a:prstGeom prst="rect">
+            <a:avLst/>
+          </a:prstGeom>
+          <a:solidFill>
+            <a:srgbClr val="FFFFFF">
+              <a:shade val="85000"/>
+            </a:srgbClr>
+          </a:solidFill>
+          <a:ln w="88900" cap="sq">
+            <a:solidFill>
+              <a:srgbClr val="FFFFFF"/>
+            </a:solidFill>
+            <a:miter lim="800000"/>
+          </a:ln>
+          <a:effectLst>
+            <a:outerShdw blurRad="55000" dist="18000" dir="5400000" algn="tl" rotWithShape="0">
+              <a:srgbClr val="000000">
+                <a:alpha val="40000"/>
+              </a:srgbClr>
+            </a:outerShdw>
+          </a:effectLst>
+          <a:scene3d>
+            <a:camera prst="orthographicFront"/>
+            <a:lightRig rig="twoPt" dir="t">
+              <a:rot lat="0" lon="0" rev="7200000"/>
+            </a:lightRig>
+          </a:scene3d>
+          <a:sp3d>
+            <a:bevelT w="25400" h="19050"/>
+            <a:contourClr>
+              <a:srgbClr val="FFFFFF"/>
+            </a:contourClr>
+          </a:sp3d>
+        </p:spPr>
+      </p:pic>
+    </p:spTree>
+    <p:extLst>
+      <p:ext uri="{BB962C8B-B14F-4D97-AF65-F5344CB8AC3E}">
+        <p14:creationId xmlns:p14="http://schemas.microsoft.com/office/powerpoint/2010/main" val="1703296265"/>
+      </p:ext>
+    </p:extLst>
+  </p:cSld>
+  <p:clrMapOvr>
+    <a:masterClrMapping/>
+  </p:clrMapOvr>
+</p:sld>
+</file>
+
+<file path=ppt/slides/slide12.xml><?xml version="1.0" encoding="utf-8"?>
+<p:sld xmlns:a="http://schemas.openxmlformats.org/drawingml/2006/main" xmlns:r="http://schemas.openxmlformats.org/officeDocument/2006/relationships" xmlns:p="http://schemas.openxmlformats.org/presentationml/2006/main">
+  <p:cSld>
+    <p:spTree>
+      <p:nvGrpSpPr>
+        <p:cNvPr id="1" name=""/>
+        <p:cNvGrpSpPr/>
+        <p:nvPr/>
+      </p:nvGrpSpPr>
+      <p:grpSpPr>
+        <a:xfrm>
+          <a:off x="0" y="0"/>
+          <a:ext cx="0" cy="0"/>
+          <a:chOff x="0" y="0"/>
+          <a:chExt cx="0" cy="0"/>
+        </a:xfrm>
+      </p:grpSpPr>
+      <p:pic>
+        <p:nvPicPr>
+          <p:cNvPr id="4" name="图片 3">
+            <a:extLst>
+              <a:ext uri="{FF2B5EF4-FFF2-40B4-BE49-F238E27FC236}">
+                <a16:creationId xmlns:a16="http://schemas.microsoft.com/office/drawing/2014/main" id="{AEAE34D8-82F9-96E3-872D-C95099C7E602}"/>
+              </a:ext>
+            </a:extLst>
+          </p:cNvPr>
+          <p:cNvPicPr>
+            <a:picLocks noChangeAspect="1"/>
+          </p:cNvPicPr>
+          <p:nvPr/>
+        </p:nvPicPr>
+        <p:blipFill>
+          <a:blip r:embed="rId2"/>
+          <a:stretch>
+            <a:fillRect/>
+          </a:stretch>
+        </p:blipFill>
+        <p:spPr>
+          <a:xfrm>
+            <a:off x="441614" y="705803"/>
+            <a:ext cx="11414413" cy="5779174"/>
+          </a:xfrm>
+          <a:prstGeom prst="rect">
+            <a:avLst/>
+          </a:prstGeom>
+        </p:spPr>
+      </p:pic>
+      <p:grpSp>
+        <p:nvGrpSpPr>
+          <p:cNvPr id="39938" name="组合 3"/>
+          <p:cNvGrpSpPr/>
+          <p:nvPr/>
+        </p:nvGrpSpPr>
+        <p:grpSpPr bwMode="auto">
+          <a:xfrm flipH="1">
+            <a:off x="11182350" y="0"/>
+            <a:ext cx="1009650" cy="1009650"/>
+            <a:chOff x="0" y="0"/>
+            <a:chExt cx="3600450" cy="3600450"/>
+          </a:xfrm>
+        </p:grpSpPr>
+        <p:sp>
+          <p:nvSpPr>
+            <p:cNvPr id="8" name="直角三角形 7"/>
+            <p:cNvSpPr/>
+            <p:nvPr/>
+          </p:nvSpPr>
+          <p:spPr>
+            <a:xfrm rot="5400000">
+              <a:off x="0" y="0"/>
+              <a:ext cx="3600450" cy="3600450"/>
+            </a:xfrm>
+            <a:prstGeom prst="rtTriangle">
+              <a:avLst/>
+            </a:prstGeom>
+            <a:solidFill>
+              <a:srgbClr val="D7D8D8"/>
+            </a:solidFill>
+            <a:ln>
+              <a:noFill/>
+            </a:ln>
+          </p:spPr>
+          <p:style>
+            <a:lnRef idx="2">
+              <a:schemeClr val="accent1">
+                <a:shade val="50000"/>
+              </a:schemeClr>
+            </a:lnRef>
+            <a:fillRef idx="1">
+              <a:schemeClr val="accent1"/>
+            </a:fillRef>
+            <a:effectRef idx="0">
+              <a:schemeClr val="accent1"/>
+            </a:effectRef>
+            <a:fontRef idx="minor">
+              <a:schemeClr val="lt1"/>
+            </a:fontRef>
+          </p:style>
+          <p:txBody>
+            <a:bodyPr anchor="ctr"/>
+            <a:lstStyle/>
+            <a:p>
+              <a:pPr algn="ctr" eaLnBrk="1" fontAlgn="auto" hangingPunct="1">
+                <a:spcBef>
+                  <a:spcPts val="0"/>
+                </a:spcBef>
+                <a:spcAft>
+                  <a:spcPts val="0"/>
+                </a:spcAft>
+                <a:defRPr/>
+              </a:pPr>
+              <a:endParaRPr lang="zh-CN" altLang="en-US"/>
+            </a:p>
+          </p:txBody>
+        </p:sp>
+        <p:sp>
+          <p:nvSpPr>
+            <p:cNvPr id="2" name="直角三角形 1"/>
+            <p:cNvSpPr/>
+            <p:nvPr/>
+          </p:nvSpPr>
+          <p:spPr>
+            <a:xfrm rot="5400000">
+              <a:off x="-4" y="0"/>
+              <a:ext cx="2972071" cy="2972068"/>
+            </a:xfrm>
+            <a:prstGeom prst="rtTriangle">
+              <a:avLst/>
+            </a:prstGeom>
+            <a:solidFill>
+              <a:srgbClr val="1570C1"/>
+            </a:solidFill>
+            <a:ln>
+              <a:noFill/>
+            </a:ln>
+          </p:spPr>
+          <p:style>
+            <a:lnRef idx="2">
+              <a:schemeClr val="accent1">
+                <a:shade val="50000"/>
+              </a:schemeClr>
+            </a:lnRef>
+            <a:fillRef idx="1">
+              <a:schemeClr val="accent1"/>
+            </a:fillRef>
+            <a:effectRef idx="0">
+              <a:schemeClr val="accent1"/>
+            </a:effectRef>
+            <a:fontRef idx="minor">
+              <a:schemeClr val="lt1"/>
+            </a:fontRef>
+          </p:style>
+          <p:txBody>
+            <a:bodyPr anchor="ctr"/>
+            <a:lstStyle/>
+            <a:p>
+              <a:pPr algn="ctr" eaLnBrk="1" fontAlgn="auto" hangingPunct="1">
+                <a:spcBef>
+                  <a:spcPts val="0"/>
+                </a:spcBef>
+                <a:spcAft>
+                  <a:spcPts val="0"/>
+                </a:spcAft>
+                <a:defRPr/>
+              </a:pPr>
+              <a:endParaRPr lang="zh-CN" altLang="en-US"/>
+            </a:p>
+          </p:txBody>
+        </p:sp>
+      </p:grpSp>
+      <p:grpSp>
+        <p:nvGrpSpPr>
+          <p:cNvPr id="39939" name="组合 14"/>
+          <p:cNvGrpSpPr/>
+          <p:nvPr/>
+        </p:nvGrpSpPr>
+        <p:grpSpPr bwMode="auto">
+          <a:xfrm flipV="1">
+            <a:off x="0" y="5829300"/>
+            <a:ext cx="1028700" cy="1028700"/>
+            <a:chOff x="0" y="0"/>
+            <a:chExt cx="3600450" cy="3600450"/>
+          </a:xfrm>
+        </p:grpSpPr>
+        <p:sp>
+          <p:nvSpPr>
+            <p:cNvPr id="16" name="直角三角形 15"/>
+            <p:cNvSpPr/>
+            <p:nvPr/>
+          </p:nvSpPr>
+          <p:spPr>
+            <a:xfrm rot="5400000">
+              <a:off x="0" y="0"/>
+              <a:ext cx="3600450" cy="3600450"/>
+            </a:xfrm>
+            <a:prstGeom prst="rtTriangle">
+              <a:avLst/>
+            </a:prstGeom>
+            <a:solidFill>
+              <a:srgbClr val="D7D8D8"/>
+            </a:solidFill>
+            <a:ln>
+              <a:noFill/>
+            </a:ln>
+          </p:spPr>
+          <p:style>
+            <a:lnRef idx="2">
+              <a:schemeClr val="accent1">
+                <a:shade val="50000"/>
+              </a:schemeClr>
+            </a:lnRef>
+            <a:fillRef idx="1">
+              <a:schemeClr val="accent1"/>
+            </a:fillRef>
+            <a:effectRef idx="0">
+              <a:schemeClr val="accent1"/>
+            </a:effectRef>
+            <a:fontRef idx="minor">
+              <a:schemeClr val="lt1"/>
+            </a:fontRef>
+          </p:style>
+          <p:txBody>
+            <a:bodyPr anchor="ctr"/>
+            <a:lstStyle/>
+            <a:p>
+              <a:pPr algn="ctr" eaLnBrk="1" fontAlgn="auto" hangingPunct="1">
+                <a:spcBef>
+                  <a:spcPts val="0"/>
+                </a:spcBef>
+                <a:spcAft>
+                  <a:spcPts val="0"/>
+                </a:spcAft>
+                <a:defRPr/>
+              </a:pPr>
+              <a:endParaRPr lang="zh-CN" altLang="en-US"/>
+            </a:p>
+          </p:txBody>
+        </p:sp>
+        <p:sp>
+          <p:nvSpPr>
+            <p:cNvPr id="17" name="直角三角形 16"/>
+            <p:cNvSpPr/>
+            <p:nvPr/>
+          </p:nvSpPr>
+          <p:spPr>
+            <a:xfrm rot="5400000">
+              <a:off x="4" y="0"/>
+              <a:ext cx="2972592" cy="2972596"/>
+            </a:xfrm>
+            <a:prstGeom prst="rtTriangle">
+              <a:avLst/>
+            </a:prstGeom>
+            <a:solidFill>
+              <a:srgbClr val="1570C1"/>
+            </a:solidFill>
+            <a:ln>
+              <a:noFill/>
+            </a:ln>
+          </p:spPr>
+          <p:style>
+            <a:lnRef idx="2">
+              <a:schemeClr val="accent1">
+                <a:shade val="50000"/>
+              </a:schemeClr>
+            </a:lnRef>
+            <a:fillRef idx="1">
+              <a:schemeClr val="accent1"/>
+            </a:fillRef>
+            <a:effectRef idx="0">
+              <a:schemeClr val="accent1"/>
+            </a:effectRef>
+            <a:fontRef idx="minor">
+              <a:schemeClr val="lt1"/>
+            </a:fontRef>
+          </p:style>
+          <p:txBody>
+            <a:bodyPr anchor="ctr"/>
+            <a:lstStyle/>
+            <a:p>
+              <a:pPr algn="ctr" eaLnBrk="1" fontAlgn="auto" hangingPunct="1">
+                <a:spcBef>
+                  <a:spcPts val="0"/>
+                </a:spcBef>
+                <a:spcAft>
+                  <a:spcPts val="0"/>
+                </a:spcAft>
+                <a:defRPr/>
+              </a:pPr>
+              <a:endParaRPr lang="zh-CN" altLang="en-US"/>
+            </a:p>
+          </p:txBody>
+        </p:sp>
+      </p:grpSp>
+      <p:sp>
+        <p:nvSpPr>
+          <p:cNvPr id="39940" name="文本框 17"/>
+          <p:cNvSpPr txBox="1">
+            <a:spLocks noChangeArrowheads="1"/>
+          </p:cNvSpPr>
+          <p:nvPr/>
+        </p:nvSpPr>
+        <p:spPr bwMode="auto">
+          <a:xfrm>
+            <a:off x="19050" y="122238"/>
+            <a:ext cx="5410200" cy="583565"/>
+          </a:xfrm>
+          <a:prstGeom prst="rect">
+            <a:avLst/>
+          </a:prstGeom>
+          <a:noFill/>
+          <a:ln w="9525">
+            <a:noFill/>
+            <a:miter lim="800000"/>
+          </a:ln>
+        </p:spPr>
+        <p:txBody>
+          <a:bodyPr>
+            <a:spAutoFit/>
+          </a:bodyPr>
+          <a:lstStyle/>
+          <a:p>
+            <a:pPr algn="l" eaLnBrk="1" hangingPunct="1"/>
+            <a:r>
+              <a:rPr lang="en-US" altLang="zh-CN" sz="3200" dirty="0">
+                <a:solidFill>
+                  <a:srgbClr val="1570C1"/>
+                </a:solidFill>
+                <a:latin typeface="DIN" pitchFamily="50" charset="0"/>
+              </a:rPr>
+              <a:t>3.3 Tasks and milestones</a:t>
+            </a:r>
+            <a:endParaRPr lang="zh-CN" altLang="en-US" sz="3200" dirty="0">
+              <a:solidFill>
+                <a:srgbClr val="1570C1"/>
+              </a:solidFill>
+              <a:latin typeface="DIN" pitchFamily="50" charset="0"/>
+            </a:endParaRPr>
+          </a:p>
+        </p:txBody>
+      </p:sp>
+    </p:spTree>
+    <p:extLst>
+      <p:ext uri="{BB962C8B-B14F-4D97-AF65-F5344CB8AC3E}">
+        <p14:creationId xmlns:p14="http://schemas.microsoft.com/office/powerpoint/2010/main" val="3809573469"/>
+      </p:ext>
+    </p:extLst>
   </p:cSld>
   <p:clrMapOvr>
     <a:masterClrMapping/>
@@ -13181,7 +13912,7 @@
                 </a:solidFill>
                 <a:latin typeface="DIN" pitchFamily="50" charset="0"/>
               </a:rPr>
-              <a:t>3 Development schedule</a:t>
+              <a:t>3.1 Development schedule</a:t>
             </a:r>
             <a:endParaRPr lang="zh-CN" altLang="en-US" sz="3200" dirty="0">
               <a:solidFill>

--- a/Image processing visualization system.pptx
+++ b/Image processing visualization system.pptx
@@ -5,7 +5,7 @@
     <p:sldMasterId id="2147483648" r:id="rId1"/>
   </p:sldMasterIdLst>
   <p:notesMasterIdLst>
-    <p:notesMasterId r:id="rId14"/>
+    <p:notesMasterId r:id="rId12"/>
   </p:notesMasterIdLst>
   <p:sldIdLst>
     <p:sldId id="256" r:id="rId2"/>
@@ -18,13 +18,11 @@
     <p:sldId id="299" r:id="rId9"/>
     <p:sldId id="303" r:id="rId10"/>
     <p:sldId id="304" r:id="rId11"/>
-    <p:sldId id="306" r:id="rId12"/>
-    <p:sldId id="307" r:id="rId13"/>
   </p:sldIdLst>
   <p:sldSz cx="12192000" cy="6858000"/>
   <p:notesSz cx="6858000" cy="9144000"/>
   <p:custDataLst>
-    <p:tags r:id="rId15"/>
+    <p:tags r:id="rId13"/>
   </p:custDataLst>
   <p:defaultTextStyle>
     <a:defPPr>
@@ -252,7 +250,7 @@
           <a:p>
             <a:fld id="{567AC0E8-234F-4A57-B233-C1F7C4AE6A42}" type="datetimeFigureOut">
               <a:rPr lang="zh-CN" altLang="en-US" smtClean="0"/>
-              <a:t>2023/4/12</a:t>
+              <a:t>2023/3/30</a:t>
             </a:fld>
             <a:endParaRPr lang="zh-CN" altLang="en-US"/>
           </a:p>
@@ -718,7 +716,7 @@
             </a:pPr>
             <a:fld id="{9CA88350-C780-4FB1-AE97-F510730C86BC}" type="datetimeFigureOut">
               <a:rPr lang="zh-CN" altLang="en-US"/>
-              <a:t>2023/4/12</a:t>
+              <a:t>2023/3/30</a:t>
             </a:fld>
             <a:endParaRPr lang="zh-CN" altLang="en-US"/>
           </a:p>
@@ -960,7 +958,7 @@
             </a:pPr>
             <a:fld id="{C0D36F01-2D12-47B2-A096-CB16133529CD}" type="datetimeFigureOut">
               <a:rPr lang="zh-CN" altLang="en-US"/>
-              <a:t>2023/4/12</a:t>
+              <a:t>2023/3/30</a:t>
             </a:fld>
             <a:endParaRPr lang="zh-CN" altLang="en-US"/>
           </a:p>
@@ -1202,7 +1200,7 @@
             </a:pPr>
             <a:fld id="{161AFB21-DBA3-481D-8F7B-09C9B17B6691}" type="datetimeFigureOut">
               <a:rPr lang="zh-CN" altLang="en-US"/>
-              <a:t>2023/4/12</a:t>
+              <a:t>2023/3/30</a:t>
             </a:fld>
             <a:endParaRPr lang="zh-CN" altLang="en-US"/>
           </a:p>
@@ -1511,7 +1509,7 @@
             </a:pPr>
             <a:fld id="{0CB64265-347A-4A89-84B8-A5D80D7834B9}" type="datetimeFigureOut">
               <a:rPr lang="zh-CN" altLang="en-US"/>
-              <a:t>2023/4/12</a:t>
+              <a:t>2023/3/30</a:t>
             </a:fld>
             <a:endParaRPr lang="zh-CN" altLang="en-US"/>
           </a:p>
@@ -1812,7 +1810,7 @@
             </a:pPr>
             <a:fld id="{72AFB4C0-FA24-4F4D-A17C-63F7D7E08FB5}" type="datetimeFigureOut">
               <a:rPr lang="zh-CN" altLang="en-US"/>
-              <a:t>2023/4/12</a:t>
+              <a:t>2023/3/30</a:t>
             </a:fld>
             <a:endParaRPr lang="zh-CN" altLang="en-US"/>
           </a:p>
@@ -2249,7 +2247,7 @@
             </a:pPr>
             <a:fld id="{BFF735C5-43AD-4464-852C-402DC6313CA8}" type="datetimeFigureOut">
               <a:rPr lang="zh-CN" altLang="en-US"/>
-              <a:t>2023/4/12</a:t>
+              <a:t>2023/3/30</a:t>
             </a:fld>
             <a:endParaRPr lang="zh-CN" altLang="en-US"/>
           </a:p>
@@ -2432,7 +2430,7 @@
             </a:pPr>
             <a:fld id="{4393B5FD-2CFD-4C17-8CA1-8896FC99F542}" type="datetimeFigureOut">
               <a:rPr lang="zh-CN" altLang="en-US"/>
-              <a:t>2023/4/12</a:t>
+              <a:t>2023/3/30</a:t>
             </a:fld>
             <a:endParaRPr lang="zh-CN" altLang="en-US"/>
           </a:p>
@@ -2585,7 +2583,7 @@
             </a:pPr>
             <a:fld id="{AE0B2FB6-452A-4425-8BD9-2ACAB7243718}" type="datetimeFigureOut">
               <a:rPr lang="zh-CN" altLang="en-US"/>
-              <a:t>2023/4/12</a:t>
+              <a:t>2023/3/30</a:t>
             </a:fld>
             <a:endParaRPr lang="zh-CN" altLang="en-US"/>
           </a:p>
@@ -2927,7 +2925,7 @@
             </a:pPr>
             <a:fld id="{B99501A5-C41B-4B5F-819C-1B487BE05E4C}" type="datetimeFigureOut">
               <a:rPr lang="zh-CN" altLang="en-US"/>
-              <a:t>2023/4/12</a:t>
+              <a:t>2023/3/30</a:t>
             </a:fld>
             <a:endParaRPr lang="zh-CN" altLang="en-US"/>
           </a:p>
@@ -3247,7 +3245,7 @@
             </a:pPr>
             <a:fld id="{6D96DB21-153E-4DEE-9473-F53FC02AA951}" type="datetimeFigureOut">
               <a:rPr lang="zh-CN" altLang="en-US"/>
-              <a:t>2023/4/12</a:t>
+              <a:t>2023/3/30</a:t>
             </a:fld>
             <a:endParaRPr lang="zh-CN" altLang="en-US"/>
           </a:p>
@@ -5235,7 +5233,7 @@
                 </a:solidFill>
                 <a:latin typeface="DIN" pitchFamily="50" charset="0"/>
               </a:rPr>
-              <a:t>3.1 Development schedule</a:t>
+              <a:t>3 Development schedule</a:t>
             </a:r>
             <a:endParaRPr lang="zh-CN" altLang="en-US" sz="3200" dirty="0">
               <a:solidFill>
@@ -5247,735 +5245,6 @@
         </p:txBody>
       </p:sp>
     </p:spTree>
-  </p:cSld>
-  <p:clrMapOvr>
-    <a:masterClrMapping/>
-  </p:clrMapOvr>
-</p:sld>
-</file>
-
-<file path=ppt/slides/slide11.xml><?xml version="1.0" encoding="utf-8"?>
-<p:sld xmlns:a="http://schemas.openxmlformats.org/drawingml/2006/main" xmlns:r="http://schemas.openxmlformats.org/officeDocument/2006/relationships" xmlns:p="http://schemas.openxmlformats.org/presentationml/2006/main">
-  <p:cSld>
-    <p:spTree>
-      <p:nvGrpSpPr>
-        <p:cNvPr id="1" name=""/>
-        <p:cNvGrpSpPr/>
-        <p:nvPr/>
-      </p:nvGrpSpPr>
-      <p:grpSpPr>
-        <a:xfrm>
-          <a:off x="0" y="0"/>
-          <a:ext cx="0" cy="0"/>
-          <a:chOff x="0" y="0"/>
-          <a:chExt cx="0" cy="0"/>
-        </a:xfrm>
-      </p:grpSpPr>
-      <p:grpSp>
-        <p:nvGrpSpPr>
-          <p:cNvPr id="39938" name="组合 3"/>
-          <p:cNvGrpSpPr/>
-          <p:nvPr/>
-        </p:nvGrpSpPr>
-        <p:grpSpPr bwMode="auto">
-          <a:xfrm flipH="1">
-            <a:off x="11182350" y="0"/>
-            <a:ext cx="1009650" cy="1009650"/>
-            <a:chOff x="0" y="0"/>
-            <a:chExt cx="3600450" cy="3600450"/>
-          </a:xfrm>
-        </p:grpSpPr>
-        <p:sp>
-          <p:nvSpPr>
-            <p:cNvPr id="8" name="直角三角形 7"/>
-            <p:cNvSpPr/>
-            <p:nvPr/>
-          </p:nvSpPr>
-          <p:spPr>
-            <a:xfrm rot="5400000">
-              <a:off x="0" y="0"/>
-              <a:ext cx="3600450" cy="3600450"/>
-            </a:xfrm>
-            <a:prstGeom prst="rtTriangle">
-              <a:avLst/>
-            </a:prstGeom>
-            <a:solidFill>
-              <a:srgbClr val="D7D8D8"/>
-            </a:solidFill>
-            <a:ln>
-              <a:noFill/>
-            </a:ln>
-          </p:spPr>
-          <p:style>
-            <a:lnRef idx="2">
-              <a:schemeClr val="accent1">
-                <a:shade val="50000"/>
-              </a:schemeClr>
-            </a:lnRef>
-            <a:fillRef idx="1">
-              <a:schemeClr val="accent1"/>
-            </a:fillRef>
-            <a:effectRef idx="0">
-              <a:schemeClr val="accent1"/>
-            </a:effectRef>
-            <a:fontRef idx="minor">
-              <a:schemeClr val="lt1"/>
-            </a:fontRef>
-          </p:style>
-          <p:txBody>
-            <a:bodyPr anchor="ctr"/>
-            <a:lstStyle/>
-            <a:p>
-              <a:pPr algn="ctr" eaLnBrk="1" fontAlgn="auto" hangingPunct="1">
-                <a:spcBef>
-                  <a:spcPts val="0"/>
-                </a:spcBef>
-                <a:spcAft>
-                  <a:spcPts val="0"/>
-                </a:spcAft>
-                <a:defRPr/>
-              </a:pPr>
-              <a:endParaRPr lang="zh-CN" altLang="en-US"/>
-            </a:p>
-          </p:txBody>
-        </p:sp>
-        <p:sp>
-          <p:nvSpPr>
-            <p:cNvPr id="2" name="直角三角形 1"/>
-            <p:cNvSpPr/>
-            <p:nvPr/>
-          </p:nvSpPr>
-          <p:spPr>
-            <a:xfrm rot="5400000">
-              <a:off x="-4" y="0"/>
-              <a:ext cx="2972071" cy="2972068"/>
-            </a:xfrm>
-            <a:prstGeom prst="rtTriangle">
-              <a:avLst/>
-            </a:prstGeom>
-            <a:solidFill>
-              <a:srgbClr val="1570C1"/>
-            </a:solidFill>
-            <a:ln>
-              <a:noFill/>
-            </a:ln>
-          </p:spPr>
-          <p:style>
-            <a:lnRef idx="2">
-              <a:schemeClr val="accent1">
-                <a:shade val="50000"/>
-              </a:schemeClr>
-            </a:lnRef>
-            <a:fillRef idx="1">
-              <a:schemeClr val="accent1"/>
-            </a:fillRef>
-            <a:effectRef idx="0">
-              <a:schemeClr val="accent1"/>
-            </a:effectRef>
-            <a:fontRef idx="minor">
-              <a:schemeClr val="lt1"/>
-            </a:fontRef>
-          </p:style>
-          <p:txBody>
-            <a:bodyPr anchor="ctr"/>
-            <a:lstStyle/>
-            <a:p>
-              <a:pPr algn="ctr" eaLnBrk="1" fontAlgn="auto" hangingPunct="1">
-                <a:spcBef>
-                  <a:spcPts val="0"/>
-                </a:spcBef>
-                <a:spcAft>
-                  <a:spcPts val="0"/>
-                </a:spcAft>
-                <a:defRPr/>
-              </a:pPr>
-              <a:endParaRPr lang="zh-CN" altLang="en-US"/>
-            </a:p>
-          </p:txBody>
-        </p:sp>
-      </p:grpSp>
-      <p:grpSp>
-        <p:nvGrpSpPr>
-          <p:cNvPr id="39939" name="组合 14"/>
-          <p:cNvGrpSpPr/>
-          <p:nvPr/>
-        </p:nvGrpSpPr>
-        <p:grpSpPr bwMode="auto">
-          <a:xfrm flipV="1">
-            <a:off x="0" y="5829300"/>
-            <a:ext cx="1028700" cy="1028700"/>
-            <a:chOff x="0" y="0"/>
-            <a:chExt cx="3600450" cy="3600450"/>
-          </a:xfrm>
-        </p:grpSpPr>
-        <p:sp>
-          <p:nvSpPr>
-            <p:cNvPr id="16" name="直角三角形 15"/>
-            <p:cNvSpPr/>
-            <p:nvPr/>
-          </p:nvSpPr>
-          <p:spPr>
-            <a:xfrm rot="5400000">
-              <a:off x="0" y="0"/>
-              <a:ext cx="3600450" cy="3600450"/>
-            </a:xfrm>
-            <a:prstGeom prst="rtTriangle">
-              <a:avLst/>
-            </a:prstGeom>
-            <a:solidFill>
-              <a:srgbClr val="D7D8D8"/>
-            </a:solidFill>
-            <a:ln>
-              <a:noFill/>
-            </a:ln>
-          </p:spPr>
-          <p:style>
-            <a:lnRef idx="2">
-              <a:schemeClr val="accent1">
-                <a:shade val="50000"/>
-              </a:schemeClr>
-            </a:lnRef>
-            <a:fillRef idx="1">
-              <a:schemeClr val="accent1"/>
-            </a:fillRef>
-            <a:effectRef idx="0">
-              <a:schemeClr val="accent1"/>
-            </a:effectRef>
-            <a:fontRef idx="minor">
-              <a:schemeClr val="lt1"/>
-            </a:fontRef>
-          </p:style>
-          <p:txBody>
-            <a:bodyPr anchor="ctr"/>
-            <a:lstStyle/>
-            <a:p>
-              <a:pPr algn="ctr" eaLnBrk="1" fontAlgn="auto" hangingPunct="1">
-                <a:spcBef>
-                  <a:spcPts val="0"/>
-                </a:spcBef>
-                <a:spcAft>
-                  <a:spcPts val="0"/>
-                </a:spcAft>
-                <a:defRPr/>
-              </a:pPr>
-              <a:endParaRPr lang="zh-CN" altLang="en-US"/>
-            </a:p>
-          </p:txBody>
-        </p:sp>
-        <p:sp>
-          <p:nvSpPr>
-            <p:cNvPr id="17" name="直角三角形 16"/>
-            <p:cNvSpPr/>
-            <p:nvPr/>
-          </p:nvSpPr>
-          <p:spPr>
-            <a:xfrm rot="5400000">
-              <a:off x="4" y="0"/>
-              <a:ext cx="2972592" cy="2972596"/>
-            </a:xfrm>
-            <a:prstGeom prst="rtTriangle">
-              <a:avLst/>
-            </a:prstGeom>
-            <a:solidFill>
-              <a:srgbClr val="1570C1"/>
-            </a:solidFill>
-            <a:ln>
-              <a:noFill/>
-            </a:ln>
-          </p:spPr>
-          <p:style>
-            <a:lnRef idx="2">
-              <a:schemeClr val="accent1">
-                <a:shade val="50000"/>
-              </a:schemeClr>
-            </a:lnRef>
-            <a:fillRef idx="1">
-              <a:schemeClr val="accent1"/>
-            </a:fillRef>
-            <a:effectRef idx="0">
-              <a:schemeClr val="accent1"/>
-            </a:effectRef>
-            <a:fontRef idx="minor">
-              <a:schemeClr val="lt1"/>
-            </a:fontRef>
-          </p:style>
-          <p:txBody>
-            <a:bodyPr anchor="ctr"/>
-            <a:lstStyle/>
-            <a:p>
-              <a:pPr algn="ctr" eaLnBrk="1" fontAlgn="auto" hangingPunct="1">
-                <a:spcBef>
-                  <a:spcPts val="0"/>
-                </a:spcBef>
-                <a:spcAft>
-                  <a:spcPts val="0"/>
-                </a:spcAft>
-                <a:defRPr/>
-              </a:pPr>
-              <a:endParaRPr lang="zh-CN" altLang="en-US"/>
-            </a:p>
-          </p:txBody>
-        </p:sp>
-      </p:grpSp>
-      <p:sp>
-        <p:nvSpPr>
-          <p:cNvPr id="39940" name="文本框 17"/>
-          <p:cNvSpPr txBox="1">
-            <a:spLocks noChangeArrowheads="1"/>
-          </p:cNvSpPr>
-          <p:nvPr/>
-        </p:nvSpPr>
-        <p:spPr bwMode="auto">
-          <a:xfrm>
-            <a:off x="19050" y="122238"/>
-            <a:ext cx="5410200" cy="584775"/>
-          </a:xfrm>
-          <a:prstGeom prst="rect">
-            <a:avLst/>
-          </a:prstGeom>
-          <a:noFill/>
-          <a:ln w="9525">
-            <a:noFill/>
-            <a:miter lim="800000"/>
-          </a:ln>
-        </p:spPr>
-        <p:txBody>
-          <a:bodyPr>
-            <a:spAutoFit/>
-          </a:bodyPr>
-          <a:lstStyle/>
-          <a:p>
-            <a:pPr algn="l" eaLnBrk="1" hangingPunct="1"/>
-            <a:r>
-              <a:rPr lang="en-US" altLang="zh-CN" sz="3200" dirty="0">
-                <a:solidFill>
-                  <a:srgbClr val="1570C1"/>
-                </a:solidFill>
-                <a:latin typeface="DIN" pitchFamily="50" charset="0"/>
-              </a:rPr>
-              <a:t>3.2 Development timeline</a:t>
-            </a:r>
-          </a:p>
-        </p:txBody>
-      </p:sp>
-      <p:pic>
-        <p:nvPicPr>
-          <p:cNvPr id="6" name="图片 5">
-            <a:extLst>
-              <a:ext uri="{FF2B5EF4-FFF2-40B4-BE49-F238E27FC236}">
-                <a16:creationId xmlns:a16="http://schemas.microsoft.com/office/drawing/2014/main" id="{95D4B9CB-A2FF-87B3-2E2A-96FB2B325740}"/>
-              </a:ext>
-            </a:extLst>
-          </p:cNvPr>
-          <p:cNvPicPr>
-            <a:picLocks noChangeAspect="1"/>
-          </p:cNvPicPr>
-          <p:nvPr/>
-        </p:nvPicPr>
-        <p:blipFill rotWithShape="1">
-          <a:blip r:embed="rId2"/>
-          <a:srcRect t="6741"/>
-          <a:stretch/>
-        </p:blipFill>
-        <p:spPr>
-          <a:xfrm>
-            <a:off x="1204913" y="705803"/>
-            <a:ext cx="9526444" cy="5984400"/>
-          </a:xfrm>
-          <a:prstGeom prst="rect">
-            <a:avLst/>
-          </a:prstGeom>
-          <a:solidFill>
-            <a:srgbClr val="FFFFFF">
-              <a:shade val="85000"/>
-            </a:srgbClr>
-          </a:solidFill>
-          <a:ln w="88900" cap="sq">
-            <a:solidFill>
-              <a:srgbClr val="FFFFFF"/>
-            </a:solidFill>
-            <a:miter lim="800000"/>
-          </a:ln>
-          <a:effectLst>
-            <a:outerShdw blurRad="55000" dist="18000" dir="5400000" algn="tl" rotWithShape="0">
-              <a:srgbClr val="000000">
-                <a:alpha val="40000"/>
-              </a:srgbClr>
-            </a:outerShdw>
-          </a:effectLst>
-          <a:scene3d>
-            <a:camera prst="orthographicFront"/>
-            <a:lightRig rig="twoPt" dir="t">
-              <a:rot lat="0" lon="0" rev="7200000"/>
-            </a:lightRig>
-          </a:scene3d>
-          <a:sp3d>
-            <a:bevelT w="25400" h="19050"/>
-            <a:contourClr>
-              <a:srgbClr val="FFFFFF"/>
-            </a:contourClr>
-          </a:sp3d>
-        </p:spPr>
-      </p:pic>
-    </p:spTree>
-    <p:extLst>
-      <p:ext uri="{BB962C8B-B14F-4D97-AF65-F5344CB8AC3E}">
-        <p14:creationId xmlns:p14="http://schemas.microsoft.com/office/powerpoint/2010/main" val="1703296265"/>
-      </p:ext>
-    </p:extLst>
-  </p:cSld>
-  <p:clrMapOvr>
-    <a:masterClrMapping/>
-  </p:clrMapOvr>
-</p:sld>
-</file>
-
-<file path=ppt/slides/slide12.xml><?xml version="1.0" encoding="utf-8"?>
-<p:sld xmlns:a="http://schemas.openxmlformats.org/drawingml/2006/main" xmlns:r="http://schemas.openxmlformats.org/officeDocument/2006/relationships" xmlns:p="http://schemas.openxmlformats.org/presentationml/2006/main">
-  <p:cSld>
-    <p:spTree>
-      <p:nvGrpSpPr>
-        <p:cNvPr id="1" name=""/>
-        <p:cNvGrpSpPr/>
-        <p:nvPr/>
-      </p:nvGrpSpPr>
-      <p:grpSpPr>
-        <a:xfrm>
-          <a:off x="0" y="0"/>
-          <a:ext cx="0" cy="0"/>
-          <a:chOff x="0" y="0"/>
-          <a:chExt cx="0" cy="0"/>
-        </a:xfrm>
-      </p:grpSpPr>
-      <p:pic>
-        <p:nvPicPr>
-          <p:cNvPr id="4" name="图片 3">
-            <a:extLst>
-              <a:ext uri="{FF2B5EF4-FFF2-40B4-BE49-F238E27FC236}">
-                <a16:creationId xmlns:a16="http://schemas.microsoft.com/office/drawing/2014/main" id="{AEAE34D8-82F9-96E3-872D-C95099C7E602}"/>
-              </a:ext>
-            </a:extLst>
-          </p:cNvPr>
-          <p:cNvPicPr>
-            <a:picLocks noChangeAspect="1"/>
-          </p:cNvPicPr>
-          <p:nvPr/>
-        </p:nvPicPr>
-        <p:blipFill>
-          <a:blip r:embed="rId2"/>
-          <a:stretch>
-            <a:fillRect/>
-          </a:stretch>
-        </p:blipFill>
-        <p:spPr>
-          <a:xfrm>
-            <a:off x="441614" y="705803"/>
-            <a:ext cx="11414413" cy="5779174"/>
-          </a:xfrm>
-          <a:prstGeom prst="rect">
-            <a:avLst/>
-          </a:prstGeom>
-        </p:spPr>
-      </p:pic>
-      <p:grpSp>
-        <p:nvGrpSpPr>
-          <p:cNvPr id="39938" name="组合 3"/>
-          <p:cNvGrpSpPr/>
-          <p:nvPr/>
-        </p:nvGrpSpPr>
-        <p:grpSpPr bwMode="auto">
-          <a:xfrm flipH="1">
-            <a:off x="11182350" y="0"/>
-            <a:ext cx="1009650" cy="1009650"/>
-            <a:chOff x="0" y="0"/>
-            <a:chExt cx="3600450" cy="3600450"/>
-          </a:xfrm>
-        </p:grpSpPr>
-        <p:sp>
-          <p:nvSpPr>
-            <p:cNvPr id="8" name="直角三角形 7"/>
-            <p:cNvSpPr/>
-            <p:nvPr/>
-          </p:nvSpPr>
-          <p:spPr>
-            <a:xfrm rot="5400000">
-              <a:off x="0" y="0"/>
-              <a:ext cx="3600450" cy="3600450"/>
-            </a:xfrm>
-            <a:prstGeom prst="rtTriangle">
-              <a:avLst/>
-            </a:prstGeom>
-            <a:solidFill>
-              <a:srgbClr val="D7D8D8"/>
-            </a:solidFill>
-            <a:ln>
-              <a:noFill/>
-            </a:ln>
-          </p:spPr>
-          <p:style>
-            <a:lnRef idx="2">
-              <a:schemeClr val="accent1">
-                <a:shade val="50000"/>
-              </a:schemeClr>
-            </a:lnRef>
-            <a:fillRef idx="1">
-              <a:schemeClr val="accent1"/>
-            </a:fillRef>
-            <a:effectRef idx="0">
-              <a:schemeClr val="accent1"/>
-            </a:effectRef>
-            <a:fontRef idx="minor">
-              <a:schemeClr val="lt1"/>
-            </a:fontRef>
-          </p:style>
-          <p:txBody>
-            <a:bodyPr anchor="ctr"/>
-            <a:lstStyle/>
-            <a:p>
-              <a:pPr algn="ctr" eaLnBrk="1" fontAlgn="auto" hangingPunct="1">
-                <a:spcBef>
-                  <a:spcPts val="0"/>
-                </a:spcBef>
-                <a:spcAft>
-                  <a:spcPts val="0"/>
-                </a:spcAft>
-                <a:defRPr/>
-              </a:pPr>
-              <a:endParaRPr lang="zh-CN" altLang="en-US"/>
-            </a:p>
-          </p:txBody>
-        </p:sp>
-        <p:sp>
-          <p:nvSpPr>
-            <p:cNvPr id="2" name="直角三角形 1"/>
-            <p:cNvSpPr/>
-            <p:nvPr/>
-          </p:nvSpPr>
-          <p:spPr>
-            <a:xfrm rot="5400000">
-              <a:off x="-4" y="0"/>
-              <a:ext cx="2972071" cy="2972068"/>
-            </a:xfrm>
-            <a:prstGeom prst="rtTriangle">
-              <a:avLst/>
-            </a:prstGeom>
-            <a:solidFill>
-              <a:srgbClr val="1570C1"/>
-            </a:solidFill>
-            <a:ln>
-              <a:noFill/>
-            </a:ln>
-          </p:spPr>
-          <p:style>
-            <a:lnRef idx="2">
-              <a:schemeClr val="accent1">
-                <a:shade val="50000"/>
-              </a:schemeClr>
-            </a:lnRef>
-            <a:fillRef idx="1">
-              <a:schemeClr val="accent1"/>
-            </a:fillRef>
-            <a:effectRef idx="0">
-              <a:schemeClr val="accent1"/>
-            </a:effectRef>
-            <a:fontRef idx="minor">
-              <a:schemeClr val="lt1"/>
-            </a:fontRef>
-          </p:style>
-          <p:txBody>
-            <a:bodyPr anchor="ctr"/>
-            <a:lstStyle/>
-            <a:p>
-              <a:pPr algn="ctr" eaLnBrk="1" fontAlgn="auto" hangingPunct="1">
-                <a:spcBef>
-                  <a:spcPts val="0"/>
-                </a:spcBef>
-                <a:spcAft>
-                  <a:spcPts val="0"/>
-                </a:spcAft>
-                <a:defRPr/>
-              </a:pPr>
-              <a:endParaRPr lang="zh-CN" altLang="en-US"/>
-            </a:p>
-          </p:txBody>
-        </p:sp>
-      </p:grpSp>
-      <p:grpSp>
-        <p:nvGrpSpPr>
-          <p:cNvPr id="39939" name="组合 14"/>
-          <p:cNvGrpSpPr/>
-          <p:nvPr/>
-        </p:nvGrpSpPr>
-        <p:grpSpPr bwMode="auto">
-          <a:xfrm flipV="1">
-            <a:off x="0" y="5829300"/>
-            <a:ext cx="1028700" cy="1028700"/>
-            <a:chOff x="0" y="0"/>
-            <a:chExt cx="3600450" cy="3600450"/>
-          </a:xfrm>
-        </p:grpSpPr>
-        <p:sp>
-          <p:nvSpPr>
-            <p:cNvPr id="16" name="直角三角形 15"/>
-            <p:cNvSpPr/>
-            <p:nvPr/>
-          </p:nvSpPr>
-          <p:spPr>
-            <a:xfrm rot="5400000">
-              <a:off x="0" y="0"/>
-              <a:ext cx="3600450" cy="3600450"/>
-            </a:xfrm>
-            <a:prstGeom prst="rtTriangle">
-              <a:avLst/>
-            </a:prstGeom>
-            <a:solidFill>
-              <a:srgbClr val="D7D8D8"/>
-            </a:solidFill>
-            <a:ln>
-              <a:noFill/>
-            </a:ln>
-          </p:spPr>
-          <p:style>
-            <a:lnRef idx="2">
-              <a:schemeClr val="accent1">
-                <a:shade val="50000"/>
-              </a:schemeClr>
-            </a:lnRef>
-            <a:fillRef idx="1">
-              <a:schemeClr val="accent1"/>
-            </a:fillRef>
-            <a:effectRef idx="0">
-              <a:schemeClr val="accent1"/>
-            </a:effectRef>
-            <a:fontRef idx="minor">
-              <a:schemeClr val="lt1"/>
-            </a:fontRef>
-          </p:style>
-          <p:txBody>
-            <a:bodyPr anchor="ctr"/>
-            <a:lstStyle/>
-            <a:p>
-              <a:pPr algn="ctr" eaLnBrk="1" fontAlgn="auto" hangingPunct="1">
-                <a:spcBef>
-                  <a:spcPts val="0"/>
-                </a:spcBef>
-                <a:spcAft>
-                  <a:spcPts val="0"/>
-                </a:spcAft>
-                <a:defRPr/>
-              </a:pPr>
-              <a:endParaRPr lang="zh-CN" altLang="en-US"/>
-            </a:p>
-          </p:txBody>
-        </p:sp>
-        <p:sp>
-          <p:nvSpPr>
-            <p:cNvPr id="17" name="直角三角形 16"/>
-            <p:cNvSpPr/>
-            <p:nvPr/>
-          </p:nvSpPr>
-          <p:spPr>
-            <a:xfrm rot="5400000">
-              <a:off x="4" y="0"/>
-              <a:ext cx="2972592" cy="2972596"/>
-            </a:xfrm>
-            <a:prstGeom prst="rtTriangle">
-              <a:avLst/>
-            </a:prstGeom>
-            <a:solidFill>
-              <a:srgbClr val="1570C1"/>
-            </a:solidFill>
-            <a:ln>
-              <a:noFill/>
-            </a:ln>
-          </p:spPr>
-          <p:style>
-            <a:lnRef idx="2">
-              <a:schemeClr val="accent1">
-                <a:shade val="50000"/>
-              </a:schemeClr>
-            </a:lnRef>
-            <a:fillRef idx="1">
-              <a:schemeClr val="accent1"/>
-            </a:fillRef>
-            <a:effectRef idx="0">
-              <a:schemeClr val="accent1"/>
-            </a:effectRef>
-            <a:fontRef idx="minor">
-              <a:schemeClr val="lt1"/>
-            </a:fontRef>
-          </p:style>
-          <p:txBody>
-            <a:bodyPr anchor="ctr"/>
-            <a:lstStyle/>
-            <a:p>
-              <a:pPr algn="ctr" eaLnBrk="1" fontAlgn="auto" hangingPunct="1">
-                <a:spcBef>
-                  <a:spcPts val="0"/>
-                </a:spcBef>
-                <a:spcAft>
-                  <a:spcPts val="0"/>
-                </a:spcAft>
-                <a:defRPr/>
-              </a:pPr>
-              <a:endParaRPr lang="zh-CN" altLang="en-US"/>
-            </a:p>
-          </p:txBody>
-        </p:sp>
-      </p:grpSp>
-      <p:sp>
-        <p:nvSpPr>
-          <p:cNvPr id="39940" name="文本框 17"/>
-          <p:cNvSpPr txBox="1">
-            <a:spLocks noChangeArrowheads="1"/>
-          </p:cNvSpPr>
-          <p:nvPr/>
-        </p:nvSpPr>
-        <p:spPr bwMode="auto">
-          <a:xfrm>
-            <a:off x="19050" y="122238"/>
-            <a:ext cx="5410200" cy="583565"/>
-          </a:xfrm>
-          <a:prstGeom prst="rect">
-            <a:avLst/>
-          </a:prstGeom>
-          <a:noFill/>
-          <a:ln w="9525">
-            <a:noFill/>
-            <a:miter lim="800000"/>
-          </a:ln>
-        </p:spPr>
-        <p:txBody>
-          <a:bodyPr>
-            <a:spAutoFit/>
-          </a:bodyPr>
-          <a:lstStyle/>
-          <a:p>
-            <a:pPr algn="l" eaLnBrk="1" hangingPunct="1"/>
-            <a:r>
-              <a:rPr lang="en-US" altLang="zh-CN" sz="3200" dirty="0">
-                <a:solidFill>
-                  <a:srgbClr val="1570C1"/>
-                </a:solidFill>
-                <a:latin typeface="DIN" pitchFamily="50" charset="0"/>
-              </a:rPr>
-              <a:t>3.3 Tasks and milestones</a:t>
-            </a:r>
-            <a:endParaRPr lang="zh-CN" altLang="en-US" sz="3200" dirty="0">
-              <a:solidFill>
-                <a:srgbClr val="1570C1"/>
-              </a:solidFill>
-              <a:latin typeface="DIN" pitchFamily="50" charset="0"/>
-            </a:endParaRPr>
-          </a:p>
-        </p:txBody>
-      </p:sp>
-    </p:spTree>
-    <p:extLst>
-      <p:ext uri="{BB962C8B-B14F-4D97-AF65-F5344CB8AC3E}">
-        <p14:creationId xmlns:p14="http://schemas.microsoft.com/office/powerpoint/2010/main" val="3809573469"/>
-      </p:ext>
-    </p:extLst>
   </p:cSld>
   <p:clrMapOvr>
     <a:masterClrMapping/>
@@ -9014,7 +8283,7 @@
         <p:spPr>
           <a:xfrm>
             <a:off x="1374140" y="1443355"/>
-            <a:ext cx="9443720" cy="4112895"/>
+            <a:ext cx="9443720" cy="4397358"/>
           </a:xfrm>
           <a:prstGeom prst="rect">
             <a:avLst/>
@@ -9068,7 +8337,35 @@
                 <a:ea typeface="微软雅黑" panose="020B0503020204020204" pitchFamily="34" charset="-122"/>
                 <a:cs typeface="Arial" panose="020B0604020202020204" pitchFamily="34" charset="0"/>
               </a:rPr>
-              <a:t>1. Visualization of image enhancement method: OpenCV is used for gray level change, histogram correction, filtering and other processing. Users can upload images and agree to display the processed images on the interface. You can adjust the parameters to intuitively see the impact on image enhancement.</a:t>
+              <a:t>1. </a:t>
+            </a:r>
+            <a:r>
+              <a:rPr lang="zh-CN" altLang="en-US" sz="1865" b="1" kern="0" dirty="0">
+                <a:solidFill>
+                  <a:schemeClr val="tx1">
+                    <a:lumMod val="50000"/>
+                    <a:lumOff val="50000"/>
+                  </a:schemeClr>
+                </a:solidFill>
+                <a:latin typeface="微软雅黑" panose="020B0503020204020204" pitchFamily="34" charset="-122"/>
+                <a:ea typeface="微软雅黑" panose="020B0503020204020204" pitchFamily="34" charset="-122"/>
+                <a:cs typeface="Arial" panose="020B0604020202020204" pitchFamily="34" charset="0"/>
+              </a:rPr>
+              <a:t>Visualization of image enhancement method</a:t>
+            </a:r>
+            <a:r>
+              <a:rPr lang="zh-CN" altLang="en-US" sz="1865" kern="0" dirty="0">
+                <a:solidFill>
+                  <a:schemeClr val="tx1">
+                    <a:lumMod val="50000"/>
+                    <a:lumOff val="50000"/>
+                  </a:schemeClr>
+                </a:solidFill>
+                <a:latin typeface="微软雅黑" panose="020B0503020204020204" pitchFamily="34" charset="-122"/>
+                <a:ea typeface="微软雅黑" panose="020B0503020204020204" pitchFamily="34" charset="-122"/>
+                <a:cs typeface="Arial" panose="020B0604020202020204" pitchFamily="34" charset="0"/>
+              </a:rPr>
+              <a:t>: OpenCV is used for gray level change, histogram correction, filtering and other processing. Users can upload images and agree to display the processed images on the interface. You can adjust the parameters to intuitively see the impact on image enhancement.</a:t>
             </a:r>
           </a:p>
           <a:p>
@@ -9097,7 +8394,35 @@
                 <a:ea typeface="微软雅黑" panose="020B0503020204020204" pitchFamily="34" charset="-122"/>
                 <a:cs typeface="Arial" panose="020B0604020202020204" pitchFamily="34" charset="0"/>
               </a:rPr>
-              <a:t>2. Visualization of convolutional network: As a classical technology of computer vision, visualization displays the results brought by the adjustment of parameters such as convolutional kernel size and step size.</a:t>
+              <a:t>2. </a:t>
+            </a:r>
+            <a:r>
+              <a:rPr lang="zh-CN" altLang="en-US" sz="1865" b="1" kern="0" dirty="0">
+                <a:solidFill>
+                  <a:schemeClr val="tx1">
+                    <a:lumMod val="50000"/>
+                    <a:lumOff val="50000"/>
+                  </a:schemeClr>
+                </a:solidFill>
+                <a:latin typeface="微软雅黑" panose="020B0503020204020204" pitchFamily="34" charset="-122"/>
+                <a:ea typeface="微软雅黑" panose="020B0503020204020204" pitchFamily="34" charset="-122"/>
+                <a:cs typeface="Arial" panose="020B0604020202020204" pitchFamily="34" charset="0"/>
+              </a:rPr>
+              <a:t>Visualization of convolutional network</a:t>
+            </a:r>
+            <a:r>
+              <a:rPr lang="zh-CN" altLang="en-US" sz="1865" kern="0" dirty="0">
+                <a:solidFill>
+                  <a:schemeClr val="tx1">
+                    <a:lumMod val="50000"/>
+                    <a:lumOff val="50000"/>
+                  </a:schemeClr>
+                </a:solidFill>
+                <a:latin typeface="微软雅黑" panose="020B0503020204020204" pitchFamily="34" charset="-122"/>
+                <a:ea typeface="微软雅黑" panose="020B0503020204020204" pitchFamily="34" charset="-122"/>
+                <a:cs typeface="Arial" panose="020B0604020202020204" pitchFamily="34" charset="0"/>
+              </a:rPr>
+              <a:t>: As a classical technology of computer vision, visualization displays the results brought by the adjustment of parameters such as convolutional kernel size and step size.</a:t>
             </a:r>
           </a:p>
           <a:p>
@@ -9126,7 +8451,35 @@
                 <a:ea typeface="微软雅黑" panose="020B0503020204020204" pitchFamily="34" charset="-122"/>
                 <a:cs typeface="Arial" panose="020B0604020202020204" pitchFamily="34" charset="0"/>
               </a:rPr>
-              <a:t>3. Simple image recognition display: Provide a license plate recognition network model, users can upload pictures, experience the effect of image recognition.</a:t>
+              <a:t>3. </a:t>
+            </a:r>
+            <a:r>
+              <a:rPr lang="zh-CN" altLang="en-US" sz="1865" b="1" kern="0" dirty="0">
+                <a:solidFill>
+                  <a:schemeClr val="tx1">
+                    <a:lumMod val="50000"/>
+                    <a:lumOff val="50000"/>
+                  </a:schemeClr>
+                </a:solidFill>
+                <a:latin typeface="微软雅黑" panose="020B0503020204020204" pitchFamily="34" charset="-122"/>
+                <a:ea typeface="微软雅黑" panose="020B0503020204020204" pitchFamily="34" charset="-122"/>
+                <a:cs typeface="Arial" panose="020B0604020202020204" pitchFamily="34" charset="0"/>
+              </a:rPr>
+              <a:t>Simple image recognition display</a:t>
+            </a:r>
+            <a:r>
+              <a:rPr lang="zh-CN" altLang="en-US" sz="1865" kern="0" dirty="0">
+                <a:solidFill>
+                  <a:schemeClr val="tx1">
+                    <a:lumMod val="50000"/>
+                    <a:lumOff val="50000"/>
+                  </a:schemeClr>
+                </a:solidFill>
+                <a:latin typeface="微软雅黑" panose="020B0503020204020204" pitchFamily="34" charset="-122"/>
+                <a:ea typeface="微软雅黑" panose="020B0503020204020204" pitchFamily="34" charset="-122"/>
+                <a:cs typeface="Arial" panose="020B0604020202020204" pitchFamily="34" charset="0"/>
+              </a:rPr>
+              <a:t>: Provide a license plate recognition network model, users can upload pictures, experience the effect of image recognition.</a:t>
             </a:r>
           </a:p>
         </p:txBody>
@@ -9625,7 +8978,7 @@
         <p:spPr bwMode="auto">
           <a:xfrm>
             <a:off x="0" y="3350895"/>
-            <a:ext cx="3228340" cy="1960245"/>
+            <a:ext cx="3228340" cy="2294667"/>
           </a:xfrm>
           <a:prstGeom prst="rect">
             <a:avLst/>
@@ -9709,6 +9062,18 @@
             <a:r>
               <a:rPr lang="zh-CN" altLang="en-US" sz="1865" kern="0" dirty="0">
                 <a:solidFill>
+                  <a:srgbClr val="1570C1"/>
+                </a:solidFill>
+                <a:latin typeface="微软雅黑" panose="020B0503020204020204" pitchFamily="34" charset="-122"/>
+                <a:ea typeface="微软雅黑" panose="020B0503020204020204" pitchFamily="34" charset="-122"/>
+                <a:cs typeface="Arial" panose="020B0604020202020204" pitchFamily="34" charset="0"/>
+                <a:sym typeface="+mn-ea"/>
+              </a:rPr>
+              <a:t> </a:t>
+            </a:r>
+            <a:r>
+              <a:rPr lang="zh-CN" altLang="en-US" sz="1865" kern="0" dirty="0">
+                <a:solidFill>
                   <a:schemeClr val="tx1">
                     <a:lumMod val="50000"/>
                     <a:lumOff val="50000"/>
@@ -9719,7 +9084,7 @@
                 <a:cs typeface="Arial" panose="020B0604020202020204" pitchFamily="34" charset="0"/>
                 <a:sym typeface="+mn-ea"/>
               </a:rPr>
-              <a:t>Project manager</a:t>
+              <a:t>Development engineer</a:t>
             </a:r>
             <a:endParaRPr lang="zh-CN" altLang="en-US" sz="1865" kern="0" dirty="0">
               <a:solidFill>
@@ -10291,7 +9656,7 @@
         <p:spPr bwMode="auto">
           <a:xfrm>
             <a:off x="6127115" y="3319780"/>
-            <a:ext cx="3228340" cy="3081655"/>
+            <a:ext cx="3228340" cy="3414012"/>
           </a:xfrm>
           <a:prstGeom prst="rect">
             <a:avLst/>
@@ -10387,6 +9752,18 @@
             <a:r>
               <a:rPr lang="zh-CN" altLang="en-US" sz="1865" kern="0" dirty="0">
                 <a:solidFill>
+                  <a:srgbClr val="1570C1"/>
+                </a:solidFill>
+                <a:latin typeface="微软雅黑" panose="020B0503020204020204" pitchFamily="34" charset="-122"/>
+                <a:ea typeface="微软雅黑" panose="020B0503020204020204" pitchFamily="34" charset="-122"/>
+                <a:cs typeface="Arial" panose="020B0604020202020204" pitchFamily="34" charset="0"/>
+                <a:sym typeface="+mn-ea"/>
+              </a:rPr>
+              <a:t> </a:t>
+            </a:r>
+            <a:r>
+              <a:rPr lang="zh-CN" altLang="en-US" sz="1865" kern="0" dirty="0">
+                <a:solidFill>
                   <a:schemeClr val="tx1">
                     <a:lumMod val="50000"/>
                     <a:lumOff val="50000"/>
@@ -10397,7 +9774,7 @@
                 <a:cs typeface="Arial" panose="020B0604020202020204" pitchFamily="34" charset="0"/>
                 <a:sym typeface="+mn-ea"/>
               </a:rPr>
-              <a:t>Project manager</a:t>
+              <a:t>Development engineer </a:t>
             </a:r>
           </a:p>
           <a:p>
@@ -13912,7 +13289,7 @@
                 </a:solidFill>
                 <a:latin typeface="DIN" pitchFamily="50" charset="0"/>
               </a:rPr>
-              <a:t>3.1 Development schedule</a:t>
+              <a:t>3 Development schedule</a:t>
             </a:r>
             <a:endParaRPr lang="zh-CN" altLang="en-US" sz="3200" dirty="0">
               <a:solidFill>
